--- a/Udall_PD/images/Udall_images.pptx
+++ b/Udall_PD/images/Udall_images.pptx
@@ -245,7 +245,7 @@
           <a:p>
             <a:fld id="{5039DEA5-6320-4A06-B1A0-51EBF64BAEF8}" type="datetimeFigureOut">
               <a:rPr lang="en-US" smtClean="0"/>
-              <a:t>3/6/2015</a:t>
+              <a:t>5/21/2015</a:t>
             </a:fld>
             <a:endParaRPr lang="en-US"/>
           </a:p>
@@ -415,7 +415,7 @@
           <a:p>
             <a:fld id="{5039DEA5-6320-4A06-B1A0-51EBF64BAEF8}" type="datetimeFigureOut">
               <a:rPr lang="en-US" smtClean="0"/>
-              <a:t>3/6/2015</a:t>
+              <a:t>5/21/2015</a:t>
             </a:fld>
             <a:endParaRPr lang="en-US"/>
           </a:p>
@@ -595,7 +595,7 @@
           <a:p>
             <a:fld id="{5039DEA5-6320-4A06-B1A0-51EBF64BAEF8}" type="datetimeFigureOut">
               <a:rPr lang="en-US" smtClean="0"/>
-              <a:t>3/6/2015</a:t>
+              <a:t>5/21/2015</a:t>
             </a:fld>
             <a:endParaRPr lang="en-US"/>
           </a:p>
@@ -765,7 +765,7 @@
           <a:p>
             <a:fld id="{5039DEA5-6320-4A06-B1A0-51EBF64BAEF8}" type="datetimeFigureOut">
               <a:rPr lang="en-US" smtClean="0"/>
-              <a:t>3/6/2015</a:t>
+              <a:t>5/21/2015</a:t>
             </a:fld>
             <a:endParaRPr lang="en-US"/>
           </a:p>
@@ -1011,7 +1011,7 @@
           <a:p>
             <a:fld id="{5039DEA5-6320-4A06-B1A0-51EBF64BAEF8}" type="datetimeFigureOut">
               <a:rPr lang="en-US" smtClean="0"/>
-              <a:t>3/6/2015</a:t>
+              <a:t>5/21/2015</a:t>
             </a:fld>
             <a:endParaRPr lang="en-US"/>
           </a:p>
@@ -1243,7 +1243,7 @@
           <a:p>
             <a:fld id="{5039DEA5-6320-4A06-B1A0-51EBF64BAEF8}" type="datetimeFigureOut">
               <a:rPr lang="en-US" smtClean="0"/>
-              <a:t>3/6/2015</a:t>
+              <a:t>5/21/2015</a:t>
             </a:fld>
             <a:endParaRPr lang="en-US"/>
           </a:p>
@@ -1610,7 +1610,7 @@
           <a:p>
             <a:fld id="{5039DEA5-6320-4A06-B1A0-51EBF64BAEF8}" type="datetimeFigureOut">
               <a:rPr lang="en-US" smtClean="0"/>
-              <a:t>3/6/2015</a:t>
+              <a:t>5/21/2015</a:t>
             </a:fld>
             <a:endParaRPr lang="en-US"/>
           </a:p>
@@ -1728,7 +1728,7 @@
           <a:p>
             <a:fld id="{5039DEA5-6320-4A06-B1A0-51EBF64BAEF8}" type="datetimeFigureOut">
               <a:rPr lang="en-US" smtClean="0"/>
-              <a:t>3/6/2015</a:t>
+              <a:t>5/21/2015</a:t>
             </a:fld>
             <a:endParaRPr lang="en-US"/>
           </a:p>
@@ -1823,7 +1823,7 @@
           <a:p>
             <a:fld id="{5039DEA5-6320-4A06-B1A0-51EBF64BAEF8}" type="datetimeFigureOut">
               <a:rPr lang="en-US" smtClean="0"/>
-              <a:t>3/6/2015</a:t>
+              <a:t>5/21/2015</a:t>
             </a:fld>
             <a:endParaRPr lang="en-US"/>
           </a:p>
@@ -2100,7 +2100,7 @@
           <a:p>
             <a:fld id="{5039DEA5-6320-4A06-B1A0-51EBF64BAEF8}" type="datetimeFigureOut">
               <a:rPr lang="en-US" smtClean="0"/>
-              <a:t>3/6/2015</a:t>
+              <a:t>5/21/2015</a:t>
             </a:fld>
             <a:endParaRPr lang="en-US"/>
           </a:p>
@@ -2353,7 +2353,7 @@
           <a:p>
             <a:fld id="{5039DEA5-6320-4A06-B1A0-51EBF64BAEF8}" type="datetimeFigureOut">
               <a:rPr lang="en-US" smtClean="0"/>
-              <a:t>3/6/2015</a:t>
+              <a:t>5/21/2015</a:t>
             </a:fld>
             <a:endParaRPr lang="en-US"/>
           </a:p>
@@ -2566,7 +2566,7 @@
           <a:p>
             <a:fld id="{5039DEA5-6320-4A06-B1A0-51EBF64BAEF8}" type="datetimeFigureOut">
               <a:rPr lang="en-US" smtClean="0"/>
-              <a:t>3/6/2015</a:t>
+              <a:t>5/21/2015</a:t>
             </a:fld>
             <a:endParaRPr lang="en-US"/>
           </a:p>
@@ -2971,6 +2971,46 @@
           <a:chExt cx="0" cy="0"/>
         </a:xfrm>
       </p:grpSpPr>
+      <p:sp>
+        <p:nvSpPr>
+          <p:cNvPr id="2" name="Rectangle 1"/>
+          <p:cNvSpPr/>
+          <p:nvPr/>
+        </p:nvSpPr>
+        <p:spPr>
+          <a:xfrm>
+            <a:off x="-96819" y="2603351"/>
+            <a:ext cx="11736593" cy="1506070"/>
+          </a:xfrm>
+          <a:prstGeom prst="rect">
+            <a:avLst/>
+          </a:prstGeom>
+        </p:spPr>
+        <p:style>
+          <a:lnRef idx="2">
+            <a:schemeClr val="accent1">
+              <a:shade val="50000"/>
+            </a:schemeClr>
+          </a:lnRef>
+          <a:fillRef idx="1">
+            <a:schemeClr val="accent1"/>
+          </a:fillRef>
+          <a:effectRef idx="0">
+            <a:schemeClr val="accent1"/>
+          </a:effectRef>
+          <a:fontRef idx="minor">
+            <a:schemeClr val="lt1"/>
+          </a:fontRef>
+        </p:style>
+        <p:txBody>
+          <a:bodyPr rtlCol="0" anchor="ctr"/>
+          <a:lstStyle/>
+          <a:p>
+            <a:pPr algn="ctr"/>
+            <a:endParaRPr lang="en-US"/>
+          </a:p>
+        </p:txBody>
+      </p:sp>
       <p:grpSp>
         <p:nvGrpSpPr>
           <p:cNvPr id="9" name="Group 8"/>
